--- a/1. Projekt/Új Microsoft PowerPoint-bemutató.pptx
+++ b/1. Projekt/Új Microsoft PowerPoint-bemutató.pptx
@@ -7,11 +7,12 @@
   <p:sldIdLst>
     <p:sldId id="256" r:id="rId2"/>
     <p:sldId id="257" r:id="rId3"/>
-    <p:sldId id="258" r:id="rId4"/>
-    <p:sldId id="260" r:id="rId5"/>
-    <p:sldId id="259" r:id="rId6"/>
-    <p:sldId id="261" r:id="rId7"/>
-    <p:sldId id="262" r:id="rId8"/>
+    <p:sldId id="263" r:id="rId4"/>
+    <p:sldId id="258" r:id="rId5"/>
+    <p:sldId id="260" r:id="rId6"/>
+    <p:sldId id="259" r:id="rId7"/>
+    <p:sldId id="261" r:id="rId8"/>
+    <p:sldId id="262" r:id="rId9"/>
   </p:sldIdLst>
   <p:sldSz cx="12192000" cy="6858000"/>
   <p:notesSz cx="6858000" cy="9144000"/>
@@ -110,6 +111,11 @@
       </a:defRPr>
     </a:lvl9pPr>
   </p:defaultTextStyle>
+  <p:extLst>
+    <p:ext uri="{EFAFB233-063F-42B5-8137-9DF3F51BA10A}">
+      <p15:sldGuideLst xmlns:p15="http://schemas.microsoft.com/office/powerpoint/2012/main"/>
+    </p:ext>
+  </p:extLst>
 </p:presentation>
 </file>
 
@@ -6062,7 +6068,7 @@
           <p:cNvPr id="2" name="Cím 1">
             <a:extLst>
               <a:ext uri="{FF2B5EF4-FFF2-40B4-BE49-F238E27FC236}">
-                <a16:creationId xmlns:a16="http://schemas.microsoft.com/office/drawing/2014/main" id="{BBA79AE3-F5E0-4791-84D8-C115760D23F5}"/>
+                <a16:creationId xmlns:a16="http://schemas.microsoft.com/office/drawing/2014/main" id="{53542CDE-B84F-41E5-BC0F-AC25FE63705A}"/>
               </a:ext>
             </a:extLst>
           </p:cNvPr>
@@ -6073,19 +6079,14 @@
             <p:ph type="title"/>
           </p:nvPr>
         </p:nvSpPr>
-        <p:spPr>
-          <a:xfrm>
-            <a:off x="677334" y="609601"/>
-            <a:ext cx="8596668" cy="793686"/>
-          </a:xfrm>
-        </p:spPr>
+        <p:spPr/>
         <p:txBody>
           <a:bodyPr/>
           <a:lstStyle/>
           <a:p>
             <a:r>
               <a:rPr lang="hu-HU" dirty="0"/>
-              <a:t>Munkaórák összegezve</a:t>
+              <a:t>Használt felületek</a:t>
             </a:r>
           </a:p>
         </p:txBody>
@@ -6095,7 +6096,7 @@
           <p:cNvPr id="3" name="Tartalom helye 2">
             <a:extLst>
               <a:ext uri="{FF2B5EF4-FFF2-40B4-BE49-F238E27FC236}">
-                <a16:creationId xmlns:a16="http://schemas.microsoft.com/office/drawing/2014/main" id="{756DEBC5-F729-49A3-B8B2-0C35ED514C13}"/>
+                <a16:creationId xmlns:a16="http://schemas.microsoft.com/office/drawing/2014/main" id="{80C27FD6-5EF4-4931-891F-310F9CFDEB7E}"/>
               </a:ext>
             </a:extLst>
           </p:cNvPr>
@@ -6106,17 +6107,29 @@
             <p:ph idx="1"/>
           </p:nvPr>
         </p:nvSpPr>
-        <p:spPr/>
+        <p:spPr>
+          <a:xfrm>
+            <a:off x="677334" y="2160589"/>
+            <a:ext cx="3442084" cy="2198975"/>
+          </a:xfrm>
+        </p:spPr>
         <p:txBody>
           <a:bodyPr/>
           <a:lstStyle/>
           <a:p>
+            <a:r>
+              <a:rPr lang="hu-HU" dirty="0" err="1"/>
+              <a:t>Github</a:t>
+            </a:r>
             <a:endParaRPr lang="hu-HU" dirty="0"/>
           </a:p>
           <a:p>
+            <a:endParaRPr lang="hu-HU" dirty="0"/>
+          </a:p>
+          <a:p>
             <a:r>
               <a:rPr lang="hu-HU" dirty="0"/>
-              <a:t>Csipkés Bence: 39óra</a:t>
+              <a:t>Google drive</a:t>
             </a:r>
           </a:p>
           <a:p>
@@ -6124,28 +6137,17 @@
           </a:p>
           <a:p>
             <a:r>
-              <a:rPr lang="hu-HU" dirty="0"/>
-              <a:t>Csongrádi Tamás: 26óra</a:t>
-            </a:r>
-          </a:p>
-          <a:p>
-            <a:pPr marL="0" indent="0">
-              <a:buNone/>
-            </a:pPr>
+              <a:rPr lang="hu-HU" dirty="0" err="1"/>
+              <a:t>Discord</a:t>
+            </a:r>
             <a:endParaRPr lang="hu-HU" dirty="0"/>
-          </a:p>
-          <a:p>
-            <a:r>
-              <a:rPr lang="hu-HU" dirty="0"/>
-              <a:t>Tulipán Simon: 25óra</a:t>
-            </a:r>
           </a:p>
         </p:txBody>
       </p:sp>
     </p:spTree>
     <p:extLst>
       <p:ext uri="{BB962C8B-B14F-4D97-AF65-F5344CB8AC3E}">
-        <p14:creationId xmlns:p14="http://schemas.microsoft.com/office/powerpoint/2010/main" val="2654366840"/>
+        <p14:creationId xmlns:p14="http://schemas.microsoft.com/office/powerpoint/2010/main" val="445192874"/>
       </p:ext>
     </p:extLst>
   </p:cSld>
@@ -6177,7 +6179,7 @@
           <p:cNvPr id="2" name="Cím 1">
             <a:extLst>
               <a:ext uri="{FF2B5EF4-FFF2-40B4-BE49-F238E27FC236}">
-                <a16:creationId xmlns:a16="http://schemas.microsoft.com/office/drawing/2014/main" id="{221DD944-2F8B-4496-A71D-060E73DBE0FF}"/>
+                <a16:creationId xmlns:a16="http://schemas.microsoft.com/office/drawing/2014/main" id="{BBA79AE3-F5E0-4791-84D8-C115760D23F5}"/>
               </a:ext>
             </a:extLst>
           </p:cNvPr>
@@ -6188,14 +6190,19 @@
             <p:ph type="title"/>
           </p:nvPr>
         </p:nvSpPr>
-        <p:spPr/>
+        <p:spPr>
+          <a:xfrm>
+            <a:off x="677334" y="609601"/>
+            <a:ext cx="8596668" cy="793686"/>
+          </a:xfrm>
+        </p:spPr>
         <p:txBody>
           <a:bodyPr/>
           <a:lstStyle/>
           <a:p>
             <a:r>
               <a:rPr lang="hu-HU" dirty="0"/>
-              <a:t>HTML megoldások</a:t>
+              <a:t>Munkaórák összegezve</a:t>
             </a:r>
           </a:p>
         </p:txBody>
@@ -6205,7 +6212,7 @@
           <p:cNvPr id="3" name="Tartalom helye 2">
             <a:extLst>
               <a:ext uri="{FF2B5EF4-FFF2-40B4-BE49-F238E27FC236}">
-                <a16:creationId xmlns:a16="http://schemas.microsoft.com/office/drawing/2014/main" id="{2B57EFF7-93EF-432C-86EC-1E903992DFA4}"/>
+                <a16:creationId xmlns:a16="http://schemas.microsoft.com/office/drawing/2014/main" id="{756DEBC5-F729-49A3-B8B2-0C35ED514C13}"/>
               </a:ext>
             </a:extLst>
           </p:cNvPr>
@@ -6216,81 +6223,46 @@
             <p:ph idx="1"/>
           </p:nvPr>
         </p:nvSpPr>
-        <p:spPr>
-          <a:xfrm>
-            <a:off x="985152" y="2414086"/>
-            <a:ext cx="7271608" cy="3443505"/>
-          </a:xfrm>
-        </p:spPr>
-        <p:txBody>
-          <a:bodyPr>
-            <a:normAutofit/>
-          </a:bodyPr>
-          <a:lstStyle/>
-          <a:p>
-            <a:r>
-              <a:rPr lang="hu-HU" dirty="0" err="1"/>
-              <a:t>header</a:t>
-            </a:r>
+        <p:spPr/>
+        <p:txBody>
+          <a:bodyPr/>
+          <a:lstStyle/>
+          <a:p>
             <a:endParaRPr lang="hu-HU" dirty="0"/>
           </a:p>
           <a:p>
             <a:r>
               <a:rPr lang="hu-HU" dirty="0"/>
-              <a:t>div</a:t>
-            </a:r>
+              <a:t>Csipkés Bence: 39óra</a:t>
+            </a:r>
+          </a:p>
+          <a:p>
+            <a:endParaRPr lang="hu-HU" dirty="0"/>
           </a:p>
           <a:p>
             <a:r>
               <a:rPr lang="hu-HU" dirty="0"/>
-              <a:t>main</a:t>
-            </a:r>
-          </a:p>
-          <a:p>
-            <a:r>
-              <a:rPr lang="hu-HU" dirty="0" err="1"/>
-              <a:t>section</a:t>
-            </a:r>
+              <a:t>Csongrádi Tamás: 26óra</a:t>
+            </a:r>
+          </a:p>
+          <a:p>
+            <a:pPr marL="0" indent="0">
+              <a:buNone/>
+            </a:pPr>
             <a:endParaRPr lang="hu-HU" dirty="0"/>
           </a:p>
           <a:p>
             <a:r>
-              <a:rPr lang="hu-HU" dirty="0" err="1"/>
-              <a:t>img</a:t>
-            </a:r>
-            <a:endParaRPr lang="hu-HU" dirty="0"/>
-          </a:p>
-          <a:p>
-            <a:r>
               <a:rPr lang="hu-HU" dirty="0"/>
-              <a:t>a</a:t>
-            </a:r>
-          </a:p>
-          <a:p>
-            <a:r>
-              <a:rPr lang="hu-HU" dirty="0" err="1"/>
-              <a:t>br</a:t>
-            </a:r>
-            <a:endParaRPr lang="hu-HU" dirty="0"/>
-          </a:p>
-          <a:p>
-            <a:r>
-              <a:rPr lang="hu-HU" dirty="0"/>
-              <a:t>p</a:t>
-            </a:r>
-          </a:p>
-          <a:p>
-            <a:endParaRPr lang="hu-HU" dirty="0"/>
-          </a:p>
-          <a:p>
-            <a:endParaRPr lang="hu-HU" dirty="0"/>
+              <a:t>Tulipán Simon: 25óra</a:t>
+            </a:r>
           </a:p>
         </p:txBody>
       </p:sp>
     </p:spTree>
     <p:extLst>
       <p:ext uri="{BB962C8B-B14F-4D97-AF65-F5344CB8AC3E}">
-        <p14:creationId xmlns:p14="http://schemas.microsoft.com/office/powerpoint/2010/main" val="3057029190"/>
+        <p14:creationId xmlns:p14="http://schemas.microsoft.com/office/powerpoint/2010/main" val="2654366840"/>
       </p:ext>
     </p:extLst>
   </p:cSld>
@@ -6322,7 +6294,7 @@
           <p:cNvPr id="2" name="Cím 1">
             <a:extLst>
               <a:ext uri="{FF2B5EF4-FFF2-40B4-BE49-F238E27FC236}">
-                <a16:creationId xmlns:a16="http://schemas.microsoft.com/office/drawing/2014/main" id="{0894E804-2CA4-4B14-9B67-221B63FC7B89}"/>
+                <a16:creationId xmlns:a16="http://schemas.microsoft.com/office/drawing/2014/main" id="{221DD944-2F8B-4496-A71D-060E73DBE0FF}"/>
               </a:ext>
             </a:extLst>
           </p:cNvPr>
@@ -6339,12 +6311,8 @@
           <a:lstStyle/>
           <a:p>
             <a:r>
-              <a:rPr lang="hu-HU" dirty="0" err="1"/>
-              <a:t>Bootstrap</a:t>
-            </a:r>
-            <a:r>
               <a:rPr lang="hu-HU" dirty="0"/>
-              <a:t> megoldások</a:t>
+              <a:t>HTML megoldások</a:t>
             </a:r>
           </a:p>
         </p:txBody>
@@ -6354,7 +6322,7 @@
           <p:cNvPr id="3" name="Tartalom helye 2">
             <a:extLst>
               <a:ext uri="{FF2B5EF4-FFF2-40B4-BE49-F238E27FC236}">
-                <a16:creationId xmlns:a16="http://schemas.microsoft.com/office/drawing/2014/main" id="{5DE469D7-787F-4804-87C4-DE932131FC1C}"/>
+                <a16:creationId xmlns:a16="http://schemas.microsoft.com/office/drawing/2014/main" id="{2B57EFF7-93EF-432C-86EC-1E903992DFA4}"/>
               </a:ext>
             </a:extLst>
           </p:cNvPr>
@@ -6367,85 +6335,66 @@
         </p:nvSpPr>
         <p:spPr>
           <a:xfrm>
-            <a:off x="863768" y="2033841"/>
-            <a:ext cx="8223800" cy="3598924"/>
+            <a:off x="985152" y="2414086"/>
+            <a:ext cx="7271608" cy="3443505"/>
           </a:xfrm>
         </p:spPr>
         <p:txBody>
-          <a:bodyPr/>
+          <a:bodyPr>
+            <a:normAutofit/>
+          </a:bodyPr>
           <a:lstStyle/>
           <a:p>
             <a:r>
               <a:rPr lang="hu-HU" dirty="0" err="1"/>
-              <a:t>container</a:t>
-            </a:r>
+              <a:t>header</a:t>
+            </a:r>
+            <a:endParaRPr lang="hu-HU" dirty="0"/>
+          </a:p>
+          <a:p>
             <a:r>
               <a:rPr lang="hu-HU" dirty="0"/>
-              <a:t>-fluid</a:t>
+              <a:t>div</a:t>
+            </a:r>
+          </a:p>
+          <a:p>
+            <a:r>
+              <a:rPr lang="hu-HU" dirty="0"/>
+              <a:t>main</a:t>
             </a:r>
           </a:p>
           <a:p>
             <a:r>
               <a:rPr lang="hu-HU" dirty="0" err="1"/>
-              <a:t>row</a:t>
+              <a:t>section</a:t>
             </a:r>
             <a:endParaRPr lang="hu-HU" dirty="0"/>
           </a:p>
           <a:p>
             <a:r>
+              <a:rPr lang="hu-HU" dirty="0" err="1"/>
+              <a:t>img</a:t>
+            </a:r>
+            <a:endParaRPr lang="hu-HU" dirty="0"/>
+          </a:p>
+          <a:p>
+            <a:r>
               <a:rPr lang="hu-HU" dirty="0"/>
-              <a:t>col</a:t>
-            </a:r>
+              <a:t>a</a:t>
+            </a:r>
+          </a:p>
+          <a:p>
+            <a:r>
+              <a:rPr lang="hu-HU" dirty="0" err="1"/>
+              <a:t>br</a:t>
+            </a:r>
+            <a:endParaRPr lang="hu-HU" dirty="0"/>
           </a:p>
           <a:p>
             <a:r>
               <a:rPr lang="hu-HU" dirty="0"/>
-              <a:t>d-</a:t>
-            </a:r>
-            <a:r>
-              <a:rPr lang="hu-HU" dirty="0" err="1"/>
-              <a:t>none</a:t>
-            </a:r>
-            <a:endParaRPr lang="hu-HU" dirty="0"/>
-          </a:p>
-          <a:p>
-            <a:r>
-              <a:rPr lang="hu-HU" dirty="0"/>
-              <a:t>d-</a:t>
-            </a:r>
-            <a:r>
-              <a:rPr lang="hu-HU" dirty="0" err="1"/>
-              <a:t>block</a:t>
-            </a:r>
-            <a:endParaRPr lang="hu-HU" dirty="0"/>
-          </a:p>
-          <a:p>
-            <a:r>
-              <a:rPr lang="hu-HU" dirty="0"/>
-              <a:t>m-</a:t>
-            </a:r>
-            <a:r>
-              <a:rPr lang="hu-HU" dirty="0" err="1"/>
-              <a:t>auto</a:t>
-            </a:r>
-            <a:endParaRPr lang="hu-HU" dirty="0"/>
-          </a:p>
-          <a:p>
-            <a:r>
-              <a:rPr lang="hu-HU" dirty="0" err="1"/>
-              <a:t>dropdown</a:t>
-            </a:r>
-            <a:endParaRPr lang="hu-HU" dirty="0"/>
-          </a:p>
-          <a:p>
-            <a:r>
-              <a:rPr lang="hu-HU" dirty="0" err="1"/>
-              <a:t>button</a:t>
-            </a:r>
-            <a:endParaRPr lang="hu-HU" dirty="0"/>
-          </a:p>
-          <a:p>
-            <a:endParaRPr lang="hu-HU" dirty="0"/>
+              <a:t>p</a:t>
+            </a:r>
           </a:p>
           <a:p>
             <a:endParaRPr lang="hu-HU" dirty="0"/>
@@ -6458,7 +6407,7 @@
     </p:spTree>
     <p:extLst>
       <p:ext uri="{BB962C8B-B14F-4D97-AF65-F5344CB8AC3E}">
-        <p14:creationId xmlns:p14="http://schemas.microsoft.com/office/powerpoint/2010/main" val="4253871479"/>
+        <p14:creationId xmlns:p14="http://schemas.microsoft.com/office/powerpoint/2010/main" val="3057029190"/>
       </p:ext>
     </p:extLst>
   </p:cSld>
@@ -6490,7 +6439,7 @@
           <p:cNvPr id="2" name="Cím 1">
             <a:extLst>
               <a:ext uri="{FF2B5EF4-FFF2-40B4-BE49-F238E27FC236}">
-                <a16:creationId xmlns:a16="http://schemas.microsoft.com/office/drawing/2014/main" id="{4A13004D-05B3-4EAD-8BC5-04EB71F6AE6C}"/>
+                <a16:creationId xmlns:a16="http://schemas.microsoft.com/office/drawing/2014/main" id="{0894E804-2CA4-4B14-9B67-221B63FC7B89}"/>
               </a:ext>
             </a:extLst>
           </p:cNvPr>
@@ -6507,8 +6456,12 @@
           <a:lstStyle/>
           <a:p>
             <a:r>
+              <a:rPr lang="hu-HU" dirty="0" err="1"/>
+              <a:t>Bootstrap</a:t>
+            </a:r>
+            <a:r>
               <a:rPr lang="hu-HU" dirty="0"/>
-              <a:t>CSS megoldások</a:t>
+              <a:t> megoldások</a:t>
             </a:r>
           </a:p>
         </p:txBody>
@@ -6518,7 +6471,7 @@
           <p:cNvPr id="3" name="Tartalom helye 2">
             <a:extLst>
               <a:ext uri="{FF2B5EF4-FFF2-40B4-BE49-F238E27FC236}">
-                <a16:creationId xmlns:a16="http://schemas.microsoft.com/office/drawing/2014/main" id="{17326BB9-11D2-47E6-B3DE-A437D0749C2B}"/>
+                <a16:creationId xmlns:a16="http://schemas.microsoft.com/office/drawing/2014/main" id="{5DE469D7-787F-4804-87C4-DE932131FC1C}"/>
               </a:ext>
             </a:extLst>
           </p:cNvPr>
@@ -6529,14 +6482,64 @@
             <p:ph idx="1"/>
           </p:nvPr>
         </p:nvSpPr>
-        <p:spPr/>
+        <p:spPr>
+          <a:xfrm>
+            <a:off x="863768" y="2033841"/>
+            <a:ext cx="8223800" cy="3598924"/>
+          </a:xfrm>
+        </p:spPr>
         <p:txBody>
           <a:bodyPr/>
           <a:lstStyle/>
           <a:p>
             <a:r>
+              <a:rPr lang="hu-HU" dirty="0" err="1"/>
+              <a:t>container</a:t>
+            </a:r>
+            <a:r>
               <a:rPr lang="hu-HU" dirty="0"/>
-              <a:t>margin: </a:t>
+              <a:t>-fluid</a:t>
+            </a:r>
+          </a:p>
+          <a:p>
+            <a:r>
+              <a:rPr lang="hu-HU" dirty="0" err="1"/>
+              <a:t>row</a:t>
+            </a:r>
+            <a:endParaRPr lang="hu-HU" dirty="0"/>
+          </a:p>
+          <a:p>
+            <a:r>
+              <a:rPr lang="hu-HU" dirty="0"/>
+              <a:t>col</a:t>
+            </a:r>
+          </a:p>
+          <a:p>
+            <a:r>
+              <a:rPr lang="hu-HU" dirty="0"/>
+              <a:t>d-</a:t>
+            </a:r>
+            <a:r>
+              <a:rPr lang="hu-HU" dirty="0" err="1"/>
+              <a:t>none</a:t>
+            </a:r>
+            <a:endParaRPr lang="hu-HU" dirty="0"/>
+          </a:p>
+          <a:p>
+            <a:r>
+              <a:rPr lang="hu-HU" dirty="0"/>
+              <a:t>d-</a:t>
+            </a:r>
+            <a:r>
+              <a:rPr lang="hu-HU" dirty="0" err="1"/>
+              <a:t>block</a:t>
+            </a:r>
+            <a:endParaRPr lang="hu-HU" dirty="0"/>
+          </a:p>
+          <a:p>
+            <a:r>
+              <a:rPr lang="hu-HU" dirty="0"/>
+              <a:t>m-</a:t>
             </a:r>
             <a:r>
               <a:rPr lang="hu-HU" dirty="0" err="1"/>
@@ -6547,47 +6550,16 @@
           <a:p>
             <a:r>
               <a:rPr lang="hu-HU" dirty="0" err="1"/>
-              <a:t>color</a:t>
-            </a:r>
-            <a:r>
-              <a:rPr lang="hu-HU" dirty="0"/>
-              <a:t>:</a:t>
-            </a:r>
+              <a:t>dropdown</a:t>
+            </a:r>
+            <a:endParaRPr lang="hu-HU" dirty="0"/>
           </a:p>
           <a:p>
             <a:r>
               <a:rPr lang="hu-HU" dirty="0" err="1"/>
-              <a:t>background-color</a:t>
-            </a:r>
-            <a:r>
-              <a:rPr lang="hu-HU" dirty="0"/>
-              <a:t>:</a:t>
-            </a:r>
-          </a:p>
-          <a:p>
-            <a:r>
-              <a:rPr lang="hu-HU" dirty="0" err="1"/>
-              <a:t>width</a:t>
+              <a:t>button</a:t>
             </a:r>
             <a:endParaRPr lang="hu-HU" dirty="0"/>
-          </a:p>
-          <a:p>
-            <a:r>
-              <a:rPr lang="hu-HU" dirty="0"/>
-              <a:t>a:hover</a:t>
-            </a:r>
-          </a:p>
-          <a:p>
-            <a:r>
-              <a:rPr lang="hu-HU" dirty="0"/>
-              <a:t>a:visited</a:t>
-            </a:r>
-          </a:p>
-          <a:p>
-            <a:r>
-              <a:rPr lang="hu-HU" dirty="0"/>
-              <a:t>a:actie</a:t>
-            </a:r>
           </a:p>
           <a:p>
             <a:endParaRPr lang="hu-HU" dirty="0"/>
@@ -6603,7 +6575,7 @@
     </p:spTree>
     <p:extLst>
       <p:ext uri="{BB962C8B-B14F-4D97-AF65-F5344CB8AC3E}">
-        <p14:creationId xmlns:p14="http://schemas.microsoft.com/office/powerpoint/2010/main" val="688035944"/>
+        <p14:creationId xmlns:p14="http://schemas.microsoft.com/office/powerpoint/2010/main" val="4253871479"/>
       </p:ext>
     </p:extLst>
   </p:cSld>
@@ -6635,6 +6607,151 @@
           <p:cNvPr id="2" name="Cím 1">
             <a:extLst>
               <a:ext uri="{FF2B5EF4-FFF2-40B4-BE49-F238E27FC236}">
+                <a16:creationId xmlns:a16="http://schemas.microsoft.com/office/drawing/2014/main" id="{4A13004D-05B3-4EAD-8BC5-04EB71F6AE6C}"/>
+              </a:ext>
+            </a:extLst>
+          </p:cNvPr>
+          <p:cNvSpPr>
+            <a:spLocks noGrp="1"/>
+          </p:cNvSpPr>
+          <p:nvPr>
+            <p:ph type="title"/>
+          </p:nvPr>
+        </p:nvSpPr>
+        <p:spPr/>
+        <p:txBody>
+          <a:bodyPr/>
+          <a:lstStyle/>
+          <a:p>
+            <a:r>
+              <a:rPr lang="hu-HU" dirty="0"/>
+              <a:t>CSS megoldások</a:t>
+            </a:r>
+          </a:p>
+        </p:txBody>
+      </p:sp>
+      <p:sp>
+        <p:nvSpPr>
+          <p:cNvPr id="3" name="Tartalom helye 2">
+            <a:extLst>
+              <a:ext uri="{FF2B5EF4-FFF2-40B4-BE49-F238E27FC236}">
+                <a16:creationId xmlns:a16="http://schemas.microsoft.com/office/drawing/2014/main" id="{17326BB9-11D2-47E6-B3DE-A437D0749C2B}"/>
+              </a:ext>
+            </a:extLst>
+          </p:cNvPr>
+          <p:cNvSpPr>
+            <a:spLocks noGrp="1"/>
+          </p:cNvSpPr>
+          <p:nvPr>
+            <p:ph idx="1"/>
+          </p:nvPr>
+        </p:nvSpPr>
+        <p:spPr/>
+        <p:txBody>
+          <a:bodyPr/>
+          <a:lstStyle/>
+          <a:p>
+            <a:r>
+              <a:rPr lang="hu-HU" dirty="0"/>
+              <a:t>margin: </a:t>
+            </a:r>
+            <a:r>
+              <a:rPr lang="hu-HU" dirty="0" err="1"/>
+              <a:t>auto</a:t>
+            </a:r>
+            <a:endParaRPr lang="hu-HU" dirty="0"/>
+          </a:p>
+          <a:p>
+            <a:r>
+              <a:rPr lang="hu-HU" dirty="0" err="1"/>
+              <a:t>color</a:t>
+            </a:r>
+            <a:r>
+              <a:rPr lang="hu-HU" dirty="0"/>
+              <a:t>:</a:t>
+            </a:r>
+          </a:p>
+          <a:p>
+            <a:r>
+              <a:rPr lang="hu-HU" dirty="0" err="1"/>
+              <a:t>background-color</a:t>
+            </a:r>
+            <a:r>
+              <a:rPr lang="hu-HU" dirty="0"/>
+              <a:t>:</a:t>
+            </a:r>
+          </a:p>
+          <a:p>
+            <a:r>
+              <a:rPr lang="hu-HU" dirty="0" err="1"/>
+              <a:t>width</a:t>
+            </a:r>
+            <a:endParaRPr lang="hu-HU" dirty="0"/>
+          </a:p>
+          <a:p>
+            <a:r>
+              <a:rPr lang="hu-HU" dirty="0"/>
+              <a:t>a:hover</a:t>
+            </a:r>
+          </a:p>
+          <a:p>
+            <a:r>
+              <a:rPr lang="hu-HU" dirty="0"/>
+              <a:t>a:visited</a:t>
+            </a:r>
+          </a:p>
+          <a:p>
+            <a:r>
+              <a:rPr lang="hu-HU" dirty="0"/>
+              <a:t>a:actie</a:t>
+            </a:r>
+          </a:p>
+          <a:p>
+            <a:endParaRPr lang="hu-HU" dirty="0"/>
+          </a:p>
+          <a:p>
+            <a:endParaRPr lang="hu-HU" dirty="0"/>
+          </a:p>
+          <a:p>
+            <a:endParaRPr lang="hu-HU" dirty="0"/>
+          </a:p>
+        </p:txBody>
+      </p:sp>
+    </p:spTree>
+    <p:extLst>
+      <p:ext uri="{BB962C8B-B14F-4D97-AF65-F5344CB8AC3E}">
+        <p14:creationId xmlns:p14="http://schemas.microsoft.com/office/powerpoint/2010/main" val="688035944"/>
+      </p:ext>
+    </p:extLst>
+  </p:cSld>
+  <p:clrMapOvr>
+    <a:masterClrMapping/>
+  </p:clrMapOvr>
+</p:sld>
+</file>
+
+<file path=ppt/slides/slide8.xml><?xml version="1.0" encoding="utf-8"?>
+<p:sld xmlns:a="http://schemas.openxmlformats.org/drawingml/2006/main" xmlns:r="http://schemas.openxmlformats.org/officeDocument/2006/relationships" xmlns:p="http://schemas.openxmlformats.org/presentationml/2006/main">
+  <p:cSld>
+    <p:spTree>
+      <p:nvGrpSpPr>
+        <p:cNvPr id="1" name=""/>
+        <p:cNvGrpSpPr/>
+        <p:nvPr/>
+      </p:nvGrpSpPr>
+      <p:grpSpPr>
+        <a:xfrm>
+          <a:off x="0" y="0"/>
+          <a:ext cx="0" cy="0"/>
+          <a:chOff x="0" y="0"/>
+          <a:chExt cx="0" cy="0"/>
+        </a:xfrm>
+      </p:grpSpPr>
+      <p:sp>
+        <p:nvSpPr>
+          <p:cNvPr id="2" name="Cím 1">
+            <a:extLst>
+              <a:ext uri="{FF2B5EF4-FFF2-40B4-BE49-F238E27FC236}">
                 <a16:creationId xmlns:a16="http://schemas.microsoft.com/office/drawing/2014/main" id="{3080C92B-27D1-4797-9E00-D92824520CF5}"/>
               </a:ext>
             </a:extLst>
@@ -6658,7 +6775,7 @@
           <a:p>
             <a:r>
               <a:rPr lang="hu-HU" dirty="0"/>
-              <a:t>Linkek</a:t>
+              <a:t>Link</a:t>
             </a:r>
           </a:p>
         </p:txBody>
@@ -6683,24 +6800,6 @@
         <p:txBody>
           <a:bodyPr/>
           <a:lstStyle/>
-          <a:p>
-            <a:pPr marL="0" indent="0">
-              <a:buNone/>
-            </a:pPr>
-            <a:r>
-              <a:rPr lang="hu-HU">
-                <a:hlinkClick r:id="rId2"/>
-              </a:rPr>
-              <a:t>https</a:t>
-            </a:r>
-            <a:r>
-              <a:rPr lang="hu-HU" dirty="0">
-                <a:hlinkClick r:id="rId2"/>
-              </a:rPr>
-              <a:t>://drive.google.com</a:t>
-            </a:r>
-            <a:endParaRPr lang="hu-HU" dirty="0"/>
-          </a:p>
           <a:p>
             <a:pPr marL="0" indent="0">
               <a:buNone/>
